--- a/courses/Others.pptx
+++ b/courses/Others.pptx
@@ -148,7 +148,7 @@
   </p:defaultTextStyle>
   <p:extLst>
     <p:ext uri="{EFAFB233-063F-42B5-8137-9DF3F51BA10A}">
-      <p15:sldGuideLst xmlns="" xmlns:p15="http://schemas.microsoft.com/office/powerpoint/2012/main">
+      <p15:sldGuideLst xmlns:p15="http://schemas.microsoft.com/office/powerpoint/2012/main" xmlns="">
         <p15:guide id="1" orient="horz" pos="1620">
           <p15:clr>
             <a:srgbClr val="A4A3A4"/>
@@ -162,7 +162,7 @@
       </p15:sldGuideLst>
     </p:ext>
     <p:ext uri="{2D200454-40CA-4A62-9FC3-DE9A4176ACB9}">
-      <p15:notesGuideLst xmlns="" xmlns:p15="http://schemas.microsoft.com/office/powerpoint/2012/main">
+      <p15:notesGuideLst xmlns:p15="http://schemas.microsoft.com/office/powerpoint/2012/main" xmlns="">
         <p15:guide id="1" orient="horz" pos="3223">
           <p15:clr>
             <a:srgbClr val="A4A3A4"/>
@@ -1032,7 +1032,7 @@
           <p:cNvPr id="109570" name="Rectangle 2">
             <a:extLst>
               <a:ext uri="{FF2B5EF4-FFF2-40B4-BE49-F238E27FC236}">
-                <a16:creationId xmlns="" xmlns:a16="http://schemas.microsoft.com/office/drawing/2014/main" id="{F66ADEB7-C71D-4A2A-AE37-F2408BE12F81}"/>
+                <a16:creationId xmlns:a16="http://schemas.microsoft.com/office/drawing/2014/main" xmlns="" id="{F66ADEB7-C71D-4A2A-AE37-F2408BE12F81}"/>
               </a:ext>
             </a:extLst>
           </p:cNvPr>
@@ -1086,7 +1086,7 @@
           <p:cNvPr id="109571" name="Rectangle 3">
             <a:extLst>
               <a:ext uri="{FF2B5EF4-FFF2-40B4-BE49-F238E27FC236}">
-                <a16:creationId xmlns="" xmlns:a16="http://schemas.microsoft.com/office/drawing/2014/main" id="{970CDE8E-2E9F-4100-8398-5D1A886A3C33}"/>
+                <a16:creationId xmlns:a16="http://schemas.microsoft.com/office/drawing/2014/main" xmlns="" id="{970CDE8E-2E9F-4100-8398-5D1A886A3C33}"/>
               </a:ext>
             </a:extLst>
           </p:cNvPr>
@@ -1140,7 +1140,7 @@
           <p:cNvPr id="109572" name="Rectangle 4">
             <a:extLst>
               <a:ext uri="{FF2B5EF4-FFF2-40B4-BE49-F238E27FC236}">
-                <a16:creationId xmlns="" xmlns:a16="http://schemas.microsoft.com/office/drawing/2014/main" id="{908C6474-D420-4814-9446-74C3139BA9B7}"/>
+                <a16:creationId xmlns:a16="http://schemas.microsoft.com/office/drawing/2014/main" xmlns="" id="{908C6474-D420-4814-9446-74C3139BA9B7}"/>
               </a:ext>
             </a:extLst>
           </p:cNvPr>
@@ -1194,7 +1194,7 @@
           <p:cNvPr id="109573" name="Rectangle 5">
             <a:extLst>
               <a:ext uri="{FF2B5EF4-FFF2-40B4-BE49-F238E27FC236}">
-                <a16:creationId xmlns="" xmlns:a16="http://schemas.microsoft.com/office/drawing/2014/main" id="{2E02C72D-C593-4272-B34F-C1D21BB764EB}"/>
+                <a16:creationId xmlns:a16="http://schemas.microsoft.com/office/drawing/2014/main" xmlns="" id="{2E02C72D-C593-4272-B34F-C1D21BB764EB}"/>
               </a:ext>
             </a:extLst>
           </p:cNvPr>
@@ -1289,7 +1289,7 @@
           <p:cNvPr id="19458" name="Rectangle 2">
             <a:extLst>
               <a:ext uri="{FF2B5EF4-FFF2-40B4-BE49-F238E27FC236}">
-                <a16:creationId xmlns="" xmlns:a16="http://schemas.microsoft.com/office/drawing/2014/main" id="{B534727B-D584-40B3-ABBC-EFE9F65959C4}"/>
+                <a16:creationId xmlns:a16="http://schemas.microsoft.com/office/drawing/2014/main" xmlns="" id="{B534727B-D584-40B3-ABBC-EFE9F65959C4}"/>
               </a:ext>
             </a:extLst>
           </p:cNvPr>
@@ -1343,7 +1343,7 @@
           <p:cNvPr id="19459" name="Rectangle 3">
             <a:extLst>
               <a:ext uri="{FF2B5EF4-FFF2-40B4-BE49-F238E27FC236}">
-                <a16:creationId xmlns="" xmlns:a16="http://schemas.microsoft.com/office/drawing/2014/main" id="{60B24573-A0AA-4EF3-80B3-2BA88C58C0E5}"/>
+                <a16:creationId xmlns:a16="http://schemas.microsoft.com/office/drawing/2014/main" xmlns="" id="{60B24573-A0AA-4EF3-80B3-2BA88C58C0E5}"/>
               </a:ext>
             </a:extLst>
           </p:cNvPr>
@@ -1397,7 +1397,7 @@
           <p:cNvPr id="14340" name="Rectangle 4">
             <a:extLst>
               <a:ext uri="{FF2B5EF4-FFF2-40B4-BE49-F238E27FC236}">
-                <a16:creationId xmlns="" xmlns:a16="http://schemas.microsoft.com/office/drawing/2014/main" id="{461BB6AB-5790-4A31-ADFF-509FCC81F27C}"/>
+                <a16:creationId xmlns:a16="http://schemas.microsoft.com/office/drawing/2014/main" xmlns="" id="{461BB6AB-5790-4A31-ADFF-509FCC81F27C}"/>
               </a:ext>
             </a:extLst>
           </p:cNvPr>
@@ -1441,7 +1441,7 @@
           <p:cNvPr id="19461" name="Rectangle 5">
             <a:extLst>
               <a:ext uri="{FF2B5EF4-FFF2-40B4-BE49-F238E27FC236}">
-                <a16:creationId xmlns="" xmlns:a16="http://schemas.microsoft.com/office/drawing/2014/main" id="{EDBBF793-6E66-4764-A51A-AB086147545B}"/>
+                <a16:creationId xmlns:a16="http://schemas.microsoft.com/office/drawing/2014/main" xmlns="" id="{EDBBF793-6E66-4764-A51A-AB086147545B}"/>
               </a:ext>
             </a:extLst>
           </p:cNvPr>
@@ -1518,7 +1518,7 @@
           <p:cNvPr id="19462" name="Rectangle 6">
             <a:extLst>
               <a:ext uri="{FF2B5EF4-FFF2-40B4-BE49-F238E27FC236}">
-                <a16:creationId xmlns="" xmlns:a16="http://schemas.microsoft.com/office/drawing/2014/main" id="{8088CA22-91FC-4B05-B4B3-E1941887CCD1}"/>
+                <a16:creationId xmlns:a16="http://schemas.microsoft.com/office/drawing/2014/main" xmlns="" id="{8088CA22-91FC-4B05-B4B3-E1941887CCD1}"/>
               </a:ext>
             </a:extLst>
           </p:cNvPr>
@@ -1572,7 +1572,7 @@
           <p:cNvPr id="19463" name="Rectangle 7">
             <a:extLst>
               <a:ext uri="{FF2B5EF4-FFF2-40B4-BE49-F238E27FC236}">
-                <a16:creationId xmlns="" xmlns:a16="http://schemas.microsoft.com/office/drawing/2014/main" id="{E1AB954F-8570-48DA-85A8-7E8060C3A16B}"/>
+                <a16:creationId xmlns:a16="http://schemas.microsoft.com/office/drawing/2014/main" xmlns="" id="{E1AB954F-8570-48DA-85A8-7E8060C3A16B}"/>
               </a:ext>
             </a:extLst>
           </p:cNvPr>
@@ -1781,7 +1781,7 @@
           <p:cNvPr id="17410" name="Rectangle 7">
             <a:extLst>
               <a:ext uri="{FF2B5EF4-FFF2-40B4-BE49-F238E27FC236}">
-                <a16:creationId xmlns="" xmlns:a16="http://schemas.microsoft.com/office/drawing/2014/main" id="{8C25F377-F30D-4578-9541-BACF99834607}"/>
+                <a16:creationId xmlns:a16="http://schemas.microsoft.com/office/drawing/2014/main" xmlns="" id="{8C25F377-F30D-4578-9541-BACF99834607}"/>
               </a:ext>
             </a:extLst>
           </p:cNvPr>
@@ -1967,7 +1967,7 @@
           <p:cNvPr id="17411" name="Rectangle 2">
             <a:extLst>
               <a:ext uri="{FF2B5EF4-FFF2-40B4-BE49-F238E27FC236}">
-                <a16:creationId xmlns="" xmlns:a16="http://schemas.microsoft.com/office/drawing/2014/main" id="{FF9306D6-8984-4893-81A9-4DA5443880D3}"/>
+                <a16:creationId xmlns:a16="http://schemas.microsoft.com/office/drawing/2014/main" xmlns="" id="{FF9306D6-8984-4893-81A9-4DA5443880D3}"/>
               </a:ext>
             </a:extLst>
           </p:cNvPr>
@@ -1987,7 +1987,7 @@
           <p:cNvPr id="17412" name="Rectangle 3">
             <a:extLst>
               <a:ext uri="{FF2B5EF4-FFF2-40B4-BE49-F238E27FC236}">
-                <a16:creationId xmlns="" xmlns:a16="http://schemas.microsoft.com/office/drawing/2014/main" id="{1D51EF7D-C609-4C22-9877-C5BF5CEC2377}"/>
+                <a16:creationId xmlns:a16="http://schemas.microsoft.com/office/drawing/2014/main" xmlns="" id="{1D51EF7D-C609-4C22-9877-C5BF5CEC2377}"/>
               </a:ext>
             </a:extLst>
           </p:cNvPr>
@@ -2400,7 +2400,7 @@
           <p:cNvPr id="4" name="圖片 1">
             <a:extLst>
               <a:ext uri="{FF2B5EF4-FFF2-40B4-BE49-F238E27FC236}">
-                <a16:creationId xmlns="" xmlns:a16="http://schemas.microsoft.com/office/drawing/2014/main" id="{5100C303-35D1-4BD7-A49E-0155CBC5B328}"/>
+                <a16:creationId xmlns:a16="http://schemas.microsoft.com/office/drawing/2014/main" xmlns="" id="{5100C303-35D1-4BD7-A49E-0155CBC5B328}"/>
               </a:ext>
             </a:extLst>
           </p:cNvPr>
@@ -2573,7 +2573,7 @@
           <p:cNvPr id="3" name="圖片 1">
             <a:extLst>
               <a:ext uri="{FF2B5EF4-FFF2-40B4-BE49-F238E27FC236}">
-                <a16:creationId xmlns="" xmlns:a16="http://schemas.microsoft.com/office/drawing/2014/main" id="{DCC891AB-8D64-41BF-9EAB-9BA14373ADDA}"/>
+                <a16:creationId xmlns:a16="http://schemas.microsoft.com/office/drawing/2014/main" xmlns="" id="{DCC891AB-8D64-41BF-9EAB-9BA14373ADDA}"/>
               </a:ext>
             </a:extLst>
           </p:cNvPr>
@@ -2685,7 +2685,7 @@
           <p:cNvPr id="2" name="圖片 7">
             <a:extLst>
               <a:ext uri="{FF2B5EF4-FFF2-40B4-BE49-F238E27FC236}">
-                <a16:creationId xmlns="" xmlns:a16="http://schemas.microsoft.com/office/drawing/2014/main" id="{A10E8D99-7434-4CDD-A243-E2CF3A4E121B}"/>
+                <a16:creationId xmlns:a16="http://schemas.microsoft.com/office/drawing/2014/main" xmlns="" id="{A10E8D99-7434-4CDD-A243-E2CF3A4E121B}"/>
               </a:ext>
             </a:extLst>
           </p:cNvPr>
@@ -2849,7 +2849,7 @@
           <p:cNvPr id="4" name="圖片 1">
             <a:extLst>
               <a:ext uri="{FF2B5EF4-FFF2-40B4-BE49-F238E27FC236}">
-                <a16:creationId xmlns="" xmlns:a16="http://schemas.microsoft.com/office/drawing/2014/main" id="{929FA03C-DA11-40C5-A300-F7BA86165A18}"/>
+                <a16:creationId xmlns:a16="http://schemas.microsoft.com/office/drawing/2014/main" xmlns="" id="{929FA03C-DA11-40C5-A300-F7BA86165A18}"/>
               </a:ext>
             </a:extLst>
           </p:cNvPr>
@@ -3129,7 +3129,7 @@
           <p:cNvPr id="5" name="圖片 1">
             <a:extLst>
               <a:ext uri="{FF2B5EF4-FFF2-40B4-BE49-F238E27FC236}">
-                <a16:creationId xmlns="" xmlns:a16="http://schemas.microsoft.com/office/drawing/2014/main" id="{FE7252CD-07A3-42AA-B7D1-BF8DBAD9E692}"/>
+                <a16:creationId xmlns:a16="http://schemas.microsoft.com/office/drawing/2014/main" xmlns="" id="{FE7252CD-07A3-42AA-B7D1-BF8DBAD9E692}"/>
               </a:ext>
             </a:extLst>
           </p:cNvPr>
@@ -3548,7 +3548,7 @@
           <p:cNvPr id="7" name="圖片 1">
             <a:extLst>
               <a:ext uri="{FF2B5EF4-FFF2-40B4-BE49-F238E27FC236}">
-                <a16:creationId xmlns="" xmlns:a16="http://schemas.microsoft.com/office/drawing/2014/main" id="{867B2013-D430-4B1F-BEEA-2C52647EA733}"/>
+                <a16:creationId xmlns:a16="http://schemas.microsoft.com/office/drawing/2014/main" xmlns="" id="{867B2013-D430-4B1F-BEEA-2C52647EA733}"/>
               </a:ext>
             </a:extLst>
           </p:cNvPr>
@@ -3660,7 +3660,7 @@
           <p:cNvPr id="3" name="圖片 1">
             <a:extLst>
               <a:ext uri="{FF2B5EF4-FFF2-40B4-BE49-F238E27FC236}">
-                <a16:creationId xmlns="" xmlns:a16="http://schemas.microsoft.com/office/drawing/2014/main" id="{C14B7BE8-D3F3-4E7C-8600-D0BC913582B6}"/>
+                <a16:creationId xmlns:a16="http://schemas.microsoft.com/office/drawing/2014/main" xmlns="" id="{C14B7BE8-D3F3-4E7C-8600-D0BC913582B6}"/>
               </a:ext>
             </a:extLst>
           </p:cNvPr>
@@ -4063,7 +4063,7 @@
           <p:cNvPr id="4" name="圖片 1">
             <a:extLst>
               <a:ext uri="{FF2B5EF4-FFF2-40B4-BE49-F238E27FC236}">
-                <a16:creationId xmlns="" xmlns:a16="http://schemas.microsoft.com/office/drawing/2014/main" id="{929FA03C-DA11-40C5-A300-F7BA86165A18}"/>
+                <a16:creationId xmlns:a16="http://schemas.microsoft.com/office/drawing/2014/main" xmlns="" id="{929FA03C-DA11-40C5-A300-F7BA86165A18}"/>
               </a:ext>
             </a:extLst>
           </p:cNvPr>
@@ -4240,7 +4240,7 @@
           <p:cNvPr id="5" name="圖片 1">
             <a:extLst>
               <a:ext uri="{FF2B5EF4-FFF2-40B4-BE49-F238E27FC236}">
-                <a16:creationId xmlns="" xmlns:a16="http://schemas.microsoft.com/office/drawing/2014/main" id="{FE7252CD-07A3-42AA-B7D1-BF8DBAD9E692}"/>
+                <a16:creationId xmlns:a16="http://schemas.microsoft.com/office/drawing/2014/main" xmlns="" id="{FE7252CD-07A3-42AA-B7D1-BF8DBAD9E692}"/>
               </a:ext>
             </a:extLst>
           </p:cNvPr>
@@ -4526,7 +4526,7 @@
           <p:cNvPr id="7" name="圖片 1">
             <a:extLst>
               <a:ext uri="{FF2B5EF4-FFF2-40B4-BE49-F238E27FC236}">
-                <a16:creationId xmlns="" xmlns:a16="http://schemas.microsoft.com/office/drawing/2014/main" id="{867B2013-D430-4B1F-BEEA-2C52647EA733}"/>
+                <a16:creationId xmlns:a16="http://schemas.microsoft.com/office/drawing/2014/main" xmlns="" id="{867B2013-D430-4B1F-BEEA-2C52647EA733}"/>
               </a:ext>
             </a:extLst>
           </p:cNvPr>
@@ -4940,7 +4940,7 @@
           <p:cNvPr id="3" name="圖片 1">
             <a:extLst>
               <a:ext uri="{FF2B5EF4-FFF2-40B4-BE49-F238E27FC236}">
-                <a16:creationId xmlns="" xmlns:a16="http://schemas.microsoft.com/office/drawing/2014/main" id="{C14B7BE8-D3F3-4E7C-8600-D0BC913582B6}"/>
+                <a16:creationId xmlns:a16="http://schemas.microsoft.com/office/drawing/2014/main" xmlns="" id="{C14B7BE8-D3F3-4E7C-8600-D0BC913582B6}"/>
               </a:ext>
             </a:extLst>
           </p:cNvPr>
@@ -5082,7 +5082,7 @@
           <p:cNvPr id="5" name="圖片 1">
             <a:extLst>
               <a:ext uri="{FF2B5EF4-FFF2-40B4-BE49-F238E27FC236}">
-                <a16:creationId xmlns="" xmlns:a16="http://schemas.microsoft.com/office/drawing/2014/main" id="{9F17A4E5-5506-44DA-8098-25819D845A5F}"/>
+                <a16:creationId xmlns:a16="http://schemas.microsoft.com/office/drawing/2014/main" xmlns="" id="{9F17A4E5-5506-44DA-8098-25819D845A5F}"/>
               </a:ext>
             </a:extLst>
           </p:cNvPr>
@@ -5352,7 +5352,7 @@
           <p:cNvPr id="5" name="圖片 1">
             <a:extLst>
               <a:ext uri="{FF2B5EF4-FFF2-40B4-BE49-F238E27FC236}">
-                <a16:creationId xmlns="" xmlns:a16="http://schemas.microsoft.com/office/drawing/2014/main" id="{4B83B23B-AD2A-4710-AE0D-A89029B7DAA0}"/>
+                <a16:creationId xmlns:a16="http://schemas.microsoft.com/office/drawing/2014/main" xmlns="" id="{4B83B23B-AD2A-4710-AE0D-A89029B7DAA0}"/>
               </a:ext>
             </a:extLst>
           </p:cNvPr>
@@ -5602,7 +5602,7 @@
           <p:cNvPr id="4" name="圖片 1">
             <a:extLst>
               <a:ext uri="{FF2B5EF4-FFF2-40B4-BE49-F238E27FC236}">
-                <a16:creationId xmlns="" xmlns:a16="http://schemas.microsoft.com/office/drawing/2014/main" id="{5C75D1AC-D7DB-4CE1-9CE7-7EF22BCDFACE}"/>
+                <a16:creationId xmlns:a16="http://schemas.microsoft.com/office/drawing/2014/main" xmlns="" id="{5C75D1AC-D7DB-4CE1-9CE7-7EF22BCDFACE}"/>
               </a:ext>
             </a:extLst>
           </p:cNvPr>
@@ -5773,7 +5773,7 @@
           <p:cNvPr id="1026" name="圖片 7">
             <a:extLst>
               <a:ext uri="{FF2B5EF4-FFF2-40B4-BE49-F238E27FC236}">
-                <a16:creationId xmlns="" xmlns:a16="http://schemas.microsoft.com/office/drawing/2014/main" id="{43A0FC1D-80B7-49BA-85AE-D4FD8D0B332C}"/>
+                <a16:creationId xmlns:a16="http://schemas.microsoft.com/office/drawing/2014/main" xmlns="" id="{43A0FC1D-80B7-49BA-85AE-D4FD8D0B332C}"/>
               </a:ext>
             </a:extLst>
           </p:cNvPr>
@@ -5833,7 +5833,7 @@
           <p:cNvPr id="1027" name="標題版面配置區 1">
             <a:extLst>
               <a:ext uri="{FF2B5EF4-FFF2-40B4-BE49-F238E27FC236}">
-                <a16:creationId xmlns="" xmlns:a16="http://schemas.microsoft.com/office/drawing/2014/main" id="{128E434A-57CF-414A-92B7-A886F4C59E58}"/>
+                <a16:creationId xmlns:a16="http://schemas.microsoft.com/office/drawing/2014/main" xmlns="" id="{128E434A-57CF-414A-92B7-A886F4C59E58}"/>
               </a:ext>
             </a:extLst>
           </p:cNvPr>
@@ -5897,7 +5897,7 @@
           <p:cNvPr id="1028" name="文字版面配置區 2">
             <a:extLst>
               <a:ext uri="{FF2B5EF4-FFF2-40B4-BE49-F238E27FC236}">
-                <a16:creationId xmlns="" xmlns:a16="http://schemas.microsoft.com/office/drawing/2014/main" id="{20EBB4B1-D9E5-4D8B-ACB8-FBC36A52CADE}"/>
+                <a16:creationId xmlns:a16="http://schemas.microsoft.com/office/drawing/2014/main" xmlns="" id="{20EBB4B1-D9E5-4D8B-ACB8-FBC36A52CADE}"/>
               </a:ext>
             </a:extLst>
           </p:cNvPr>
@@ -5989,7 +5989,7 @@
           <p:cNvPr id="4" name="日期版面配置區 3">
             <a:extLst>
               <a:ext uri="{FF2B5EF4-FFF2-40B4-BE49-F238E27FC236}">
-                <a16:creationId xmlns="" xmlns:a16="http://schemas.microsoft.com/office/drawing/2014/main" id="{51E9782F-C3EE-45FC-AF46-D927870F5E94}"/>
+                <a16:creationId xmlns:a16="http://schemas.microsoft.com/office/drawing/2014/main" xmlns="" id="{51E9782F-C3EE-45FC-AF46-D927870F5E94}"/>
               </a:ext>
             </a:extLst>
           </p:cNvPr>
@@ -6032,7 +6032,7 @@
               <a:pPr>
                 <a:defRPr/>
               </a:pPr>
-              <a:t>2019/7/2</a:t>
+              <a:t>2019/7/4</a:t>
             </a:fld>
             <a:endParaRPr lang="zh-TW" altLang="en-US"/>
           </a:p>
@@ -6043,7 +6043,7 @@
           <p:cNvPr id="5" name="頁尾版面配置區 4">
             <a:extLst>
               <a:ext uri="{FF2B5EF4-FFF2-40B4-BE49-F238E27FC236}">
-                <a16:creationId xmlns="" xmlns:a16="http://schemas.microsoft.com/office/drawing/2014/main" id="{1465C54E-4356-427D-8964-71BC036FEFC4}"/>
+                <a16:creationId xmlns:a16="http://schemas.microsoft.com/office/drawing/2014/main" xmlns="" id="{1465C54E-4356-427D-8964-71BC036FEFC4}"/>
               </a:ext>
             </a:extLst>
           </p:cNvPr>
@@ -6090,7 +6090,7 @@
           <p:cNvPr id="6" name="投影片編號版面配置區 5">
             <a:extLst>
               <a:ext uri="{FF2B5EF4-FFF2-40B4-BE49-F238E27FC236}">
-                <a16:creationId xmlns="" xmlns:a16="http://schemas.microsoft.com/office/drawing/2014/main" id="{99C188EA-AF60-41B6-B17E-C10E7AA1DF1C}"/>
+                <a16:creationId xmlns:a16="http://schemas.microsoft.com/office/drawing/2014/main" xmlns="" id="{99C188EA-AF60-41B6-B17E-C10E7AA1DF1C}"/>
               </a:ext>
             </a:extLst>
           </p:cNvPr>
@@ -6727,7 +6727,7 @@
           <p:cNvPr id="4" name="圖片 7">
             <a:extLst>
               <a:ext uri="{FF2B5EF4-FFF2-40B4-BE49-F238E27FC236}">
-                <a16:creationId xmlns="" xmlns:a16="http://schemas.microsoft.com/office/drawing/2014/main" id="{43A0FC1D-80B7-49BA-85AE-D4FD8D0B332C}"/>
+                <a16:creationId xmlns:a16="http://schemas.microsoft.com/office/drawing/2014/main" xmlns="" id="{43A0FC1D-80B7-49BA-85AE-D4FD8D0B332C}"/>
               </a:ext>
             </a:extLst>
           </p:cNvPr>
@@ -7276,7 +7276,7 @@
           <p:cNvPr id="3" name="副標題 2">
             <a:extLst>
               <a:ext uri="{FF2B5EF4-FFF2-40B4-BE49-F238E27FC236}">
-                <a16:creationId xmlns="" xmlns:a16="http://schemas.microsoft.com/office/drawing/2014/main" id="{F3F9AE84-D7B0-4AC9-A986-E81E188CFAD7}"/>
+                <a16:creationId xmlns:a16="http://schemas.microsoft.com/office/drawing/2014/main" xmlns="" id="{F3F9AE84-D7B0-4AC9-A986-E81E188CFAD7}"/>
               </a:ext>
             </a:extLst>
           </p:cNvPr>
@@ -7301,8 +7301,11 @@
               <a:defRPr/>
             </a:pPr>
             <a:r>
-              <a:rPr lang="en-US" altLang="zh-TW" smtClean="0"/>
-              <a:t>Questions?</a:t>
+              <a:rPr lang="en-US" altLang="zh-TW" smtClean="0">
+                <a:latin typeface="+mj-lt"/>
+                <a:cs typeface="Times New Roman" panose="02020603050405020304" pitchFamily="18" charset="0"/>
+              </a:rPr>
+              <a:t>Others</a:t>
             </a:r>
             <a:endParaRPr lang="en-US" altLang="zh-TW" dirty="0">
               <a:latin typeface="+mj-lt"/>
@@ -7316,7 +7319,7 @@
           <p:cNvPr id="4" name="Rectangle 3">
             <a:extLst>
               <a:ext uri="{FF2B5EF4-FFF2-40B4-BE49-F238E27FC236}">
-                <a16:creationId xmlns="" xmlns:a16="http://schemas.microsoft.com/office/drawing/2014/main" id="{3794C834-714D-42FC-931B-8FE04ADE49AB}"/>
+                <a16:creationId xmlns:a16="http://schemas.microsoft.com/office/drawing/2014/main" xmlns="" id="{3794C834-714D-42FC-931B-8FE04ADE49AB}"/>
               </a:ext>
             </a:extLst>
           </p:cNvPr>
@@ -8529,7 +8532,7 @@
           <p:cNvPr id="27650" name="文字方塊 2">
             <a:extLst>
               <a:ext uri="{FF2B5EF4-FFF2-40B4-BE49-F238E27FC236}">
-                <a16:creationId xmlns="" xmlns:a16="http://schemas.microsoft.com/office/drawing/2014/main" id="{9AC43630-41C7-41A2-BDAB-5794F82C20F4}"/>
+                <a16:creationId xmlns:a16="http://schemas.microsoft.com/office/drawing/2014/main" xmlns="" id="{9AC43630-41C7-41A2-BDAB-5794F82C20F4}"/>
               </a:ext>
             </a:extLst>
           </p:cNvPr>
